--- a/DeepLearningStudy/4. Numerical Computation.pptx
+++ b/DeepLearningStudy/4. Numerical Computation.pptx
@@ -9,8 +9,8 @@
   </p:notesMasterIdLst>
   <p:sldIdLst>
     <p:sldId id="257" r:id="rId2"/>
-    <p:sldId id="278" r:id="rId3"/>
-    <p:sldId id="259" r:id="rId4"/>
+    <p:sldId id="259" r:id="rId3"/>
+    <p:sldId id="278" r:id="rId4"/>
     <p:sldId id="279" r:id="rId5"/>
     <p:sldId id="280" r:id="rId6"/>
     <p:sldId id="281" r:id="rId7"/>
@@ -594,7 +594,7 @@
           <a:p>
             <a:fld id="{DA275FA2-6C42-4D6B-BC32-C1F878E1B2E0}" type="slidenum">
               <a:rPr lang="ko-KR" altLang="en-US" smtClean="0"/>
-              <a:t>3</a:t>
+              <a:t>2</a:t>
             </a:fld>
             <a:endParaRPr lang="ko-KR" altLang="en-US"/>
           </a:p>
@@ -3747,6 +3747,35 @@
             <a:r>
               <a:rPr lang="ko-KR" altLang="en-US" dirty="0"/>
               <a:t>로 이해하면 될듯하다</a:t>
+            </a:r>
+            <a:r>
+              <a:rPr lang="en-US" altLang="ko-KR" dirty="0"/>
+              <a:t>.</a:t>
+            </a:r>
+          </a:p>
+          <a:p>
+            <a:endParaRPr lang="en-US" altLang="ko-KR" dirty="0"/>
+          </a:p>
+          <a:p>
+            <a:r>
+              <a:rPr lang="ko-KR" altLang="en-US" dirty="0"/>
+              <a:t>뭐 결론적으로</a:t>
+            </a:r>
+            <a:r>
+              <a:rPr lang="en-US" altLang="ko-KR" dirty="0"/>
+              <a:t>.. </a:t>
+            </a:r>
+            <a:r>
+              <a:rPr lang="ko-KR" altLang="en-US" dirty="0"/>
+              <a:t>오차에 민감한 경우가 있으니 최대한 이런 영향을 받지 않게 코드를 </a:t>
+            </a:r>
+            <a:r>
+              <a:rPr lang="ko-KR" altLang="en-US" dirty="0" err="1"/>
+              <a:t>설계해야한다는</a:t>
+            </a:r>
+            <a:r>
+              <a:rPr lang="ko-KR" altLang="en-US" dirty="0"/>
+              <a:t> 점을 시사</a:t>
             </a:r>
             <a:r>
               <a:rPr lang="en-US" altLang="ko-KR" dirty="0"/>
@@ -6273,6 +6302,46 @@
           </a:prstGeom>
         </p:spPr>
       </p:pic>
+      <p:sp>
+        <p:nvSpPr>
+          <p:cNvPr id="4" name="TextBox 3">
+            <a:extLst>
+              <a:ext uri="{FF2B5EF4-FFF2-40B4-BE49-F238E27FC236}">
+                <a16:creationId xmlns:a16="http://schemas.microsoft.com/office/drawing/2014/main" id="{48DE7DD5-99EF-65E6-3262-37C11E6719C4}"/>
+              </a:ext>
+            </a:extLst>
+          </p:cNvPr>
+          <p:cNvSpPr txBox="1"/>
+          <p:nvPr/>
+        </p:nvSpPr>
+        <p:spPr>
+          <a:xfrm>
+            <a:off x="3743756" y="5376417"/>
+            <a:ext cx="3364992" cy="338554"/>
+          </a:xfrm>
+          <a:prstGeom prst="rect">
+            <a:avLst/>
+          </a:prstGeom>
+          <a:noFill/>
+        </p:spPr>
+        <p:txBody>
+          <a:bodyPr wrap="square" rtlCol="0">
+            <a:spAutoFit/>
+          </a:bodyPr>
+          <a:lstStyle/>
+          <a:p>
+            <a:r>
+              <a:rPr lang="en-US" altLang="ko-KR" sz="1600" b="1" dirty="0">
+                <a:latin typeface="+mn-ea"/>
+              </a:rPr>
+              <a:t>Global minimum point</a:t>
+            </a:r>
+            <a:endParaRPr lang="ko-KR" altLang="en-US" sz="1600" b="1" dirty="0">
+              <a:latin typeface="+mn-ea"/>
+            </a:endParaRPr>
+          </a:p>
+        </p:txBody>
+      </p:sp>
     </p:spTree>
     <p:extLst>
       <p:ext uri="{BB962C8B-B14F-4D97-AF65-F5344CB8AC3E}">
@@ -9315,7 +9384,7 @@
           <a:p>
             <a:r>
               <a:rPr kumimoji="1" lang="en-US" altLang="en-US" dirty="0"/>
-              <a:t>Contents</a:t>
+              <a:t>Summary</a:t>
             </a:r>
             <a:endParaRPr kumimoji="1" lang="ko-Kore-KR" altLang="en-US" dirty="0"/>
           </a:p>
@@ -9348,46 +9417,31 @@
           <a:lstStyle/>
           <a:p>
             <a:r>
+              <a:rPr lang="en-US" altLang="ko-KR" dirty="0"/>
+              <a:t>ML algorithms require a high amount of numerical computation.</a:t>
+            </a:r>
+          </a:p>
+          <a:p>
+            <a:r>
               <a:rPr kumimoji="1" lang="en-US" altLang="en-US" dirty="0"/>
-              <a:t>Summary</a:t>
+              <a:t>Understand that even computer can be difficult when a mathematical function involves real numbers, which cannot be represented precisely using a finite amount of memory.</a:t>
             </a:r>
           </a:p>
           <a:p>
             <a:r>
               <a:rPr kumimoji="1" lang="en-US" altLang="en-US" dirty="0"/>
-              <a:t>4.1 Overflow and Underflow</a:t>
-            </a:r>
-          </a:p>
-          <a:p>
-            <a:r>
-              <a:rPr kumimoji="1" lang="en-US" altLang="en-US" dirty="0"/>
-              <a:t>4.2 Poor Conditioning</a:t>
-            </a:r>
-          </a:p>
-          <a:p>
-            <a:r>
-              <a:rPr kumimoji="1" lang="en-US" altLang="en-US" dirty="0"/>
-              <a:t>4.3 Gradient-Based Optimization</a:t>
-            </a:r>
-          </a:p>
-          <a:p>
-            <a:r>
-              <a:rPr kumimoji="1" lang="en-US" altLang="en-US" dirty="0"/>
-              <a:t>4.4 Constrained Optimization</a:t>
-            </a:r>
-          </a:p>
-          <a:p>
-            <a:r>
-              <a:rPr kumimoji="1" lang="en-US" altLang="en-US" dirty="0"/>
-              <a:t>Summary</a:t>
-            </a:r>
+              <a:t>ML algorithms use optimization (ﬁnding the value of argument that minimizes or maximizes a function) and solving system of linear equations.</a:t>
+            </a:r>
+          </a:p>
+          <a:p>
+            <a:endParaRPr kumimoji="1" lang="en-US" altLang="en-US" dirty="0"/>
           </a:p>
         </p:txBody>
       </p:sp>
     </p:spTree>
     <p:extLst>
       <p:ext uri="{BB962C8B-B14F-4D97-AF65-F5344CB8AC3E}">
-        <p14:creationId xmlns:p14="http://schemas.microsoft.com/office/powerpoint/2010/main" val="4188628463"/>
+        <p14:creationId xmlns:p14="http://schemas.microsoft.com/office/powerpoint/2010/main" val="2122359743"/>
       </p:ext>
     </p:extLst>
   </p:cSld>
@@ -15273,7 +15327,7 @@
           <a:p>
             <a:r>
               <a:rPr kumimoji="1" lang="en-US" altLang="en-US" dirty="0"/>
-              <a:t>Summary</a:t>
+              <a:t>Contents</a:t>
             </a:r>
             <a:endParaRPr kumimoji="1" lang="ko-Kore-KR" altLang="en-US" dirty="0"/>
           </a:p>
@@ -15306,31 +15360,46 @@
           <a:lstStyle/>
           <a:p>
             <a:r>
-              <a:rPr lang="en-US" altLang="ko-KR" dirty="0"/>
-              <a:t>ML algorithms require a high amount of numerical computation.</a:t>
-            </a:r>
-          </a:p>
-          <a:p>
-            <a:r>
               <a:rPr kumimoji="1" lang="en-US" altLang="en-US" dirty="0"/>
-              <a:t>Understand that even computer can be difficult when a mathematical function involves real numbers, which cannot be represented precisely using a finite amount of memory.</a:t>
+              <a:t>Summary</a:t>
             </a:r>
           </a:p>
           <a:p>
             <a:r>
               <a:rPr kumimoji="1" lang="en-US" altLang="en-US" dirty="0"/>
-              <a:t>ML algorithms use optimization (ﬁnding the value of argument that minimizes or maximizes a function) and solving system of linear equations.</a:t>
-            </a:r>
-          </a:p>
-          <a:p>
-            <a:endParaRPr kumimoji="1" lang="en-US" altLang="en-US" dirty="0"/>
+              <a:t>4.1 Overflow and Underflow</a:t>
+            </a:r>
+          </a:p>
+          <a:p>
+            <a:r>
+              <a:rPr kumimoji="1" lang="en-US" altLang="en-US" dirty="0"/>
+              <a:t>4.2 Poor Conditioning</a:t>
+            </a:r>
+          </a:p>
+          <a:p>
+            <a:r>
+              <a:rPr kumimoji="1" lang="en-US" altLang="en-US" dirty="0"/>
+              <a:t>4.3 Gradient-Based Optimization</a:t>
+            </a:r>
+          </a:p>
+          <a:p>
+            <a:r>
+              <a:rPr kumimoji="1" lang="en-US" altLang="en-US" dirty="0"/>
+              <a:t>4.4 Constrained Optimization</a:t>
+            </a:r>
+          </a:p>
+          <a:p>
+            <a:r>
+              <a:rPr kumimoji="1" lang="en-US" altLang="en-US" dirty="0"/>
+              <a:t>Summary</a:t>
+            </a:r>
           </a:p>
         </p:txBody>
       </p:sp>
     </p:spTree>
     <p:extLst>
       <p:ext uri="{BB962C8B-B14F-4D97-AF65-F5344CB8AC3E}">
-        <p14:creationId xmlns:p14="http://schemas.microsoft.com/office/powerpoint/2010/main" val="2122359743"/>
+        <p14:creationId xmlns:p14="http://schemas.microsoft.com/office/powerpoint/2010/main" val="4188628463"/>
       </p:ext>
     </p:extLst>
   </p:cSld>

--- a/DeepLearningStudy/4. Numerical Computation.pptx
+++ b/DeepLearningStudy/4. Numerical Computation.pptx
@@ -9497,8 +9497,8 @@
           </a:p>
         </p:txBody>
       </p:sp>
-      <mc:AlternateContent xmlns:mc="http://schemas.openxmlformats.org/markup-compatibility/2006" xmlns:a14="http://schemas.microsoft.com/office/drawing/2010/main">
-        <mc:Choice Requires="a14">
+      <mc:AlternateContent xmlns:mc="http://schemas.openxmlformats.org/markup-compatibility/2006">
+        <mc:Choice xmlns:a14="http://schemas.microsoft.com/office/drawing/2010/main" Requires="a14">
           <p:sp>
             <p:nvSpPr>
               <p:cNvPr id="3" name="내용 개체 틀 2">
@@ -9977,13 +9977,25 @@
                         <a:rPr kumimoji="1" lang="en-US" altLang="ko-KR" b="1" i="1" smtClean="0">
                           <a:latin typeface="Cambria Math" panose="02040503050406030204" pitchFamily="18" charset="0"/>
                         </a:rPr>
+                        <m:t>−</m:t>
+                      </m:r>
+                      <m:r>
+                        <a:rPr kumimoji="1" lang="en-US" altLang="ko-KR" b="1" i="1" smtClean="0">
+                          <a:latin typeface="Cambria Math" panose="02040503050406030204" pitchFamily="18" charset="0"/>
+                        </a:rPr>
+                        <m:t>𝟒</m:t>
+                      </m:r>
+                      <m:r>
+                        <a:rPr kumimoji="1" lang="en-US" altLang="ko-KR" b="1" i="1" smtClean="0">
+                          <a:latin typeface="Cambria Math" panose="02040503050406030204" pitchFamily="18" charset="0"/>
+                        </a:rPr>
                         <m:t>=</m:t>
                       </m:r>
                       <m:r>
                         <a:rPr kumimoji="1" lang="en-US" altLang="ko-KR" b="1" i="1" smtClean="0">
                           <a:latin typeface="Cambria Math" panose="02040503050406030204" pitchFamily="18" charset="0"/>
                         </a:rPr>
-                        <m:t>𝟒</m:t>
+                        <m:t>𝟎</m:t>
                       </m:r>
                       <m:r>
                         <a:rPr kumimoji="1" lang="en-US" altLang="ko-KR" b="1" i="1" smtClean="0">
@@ -10153,7 +10165,7 @@
             </p:txBody>
           </p:sp>
         </mc:Choice>
-        <mc:Fallback xmlns="">
+        <mc:Fallback>
           <p:sp>
             <p:nvSpPr>
               <p:cNvPr id="3" name="내용 개체 틀 2">
@@ -10227,8 +10239,8 @@
           </a:prstGeom>
         </p:spPr>
       </p:pic>
-      <mc:AlternateContent xmlns:mc="http://schemas.openxmlformats.org/markup-compatibility/2006" xmlns:a14="http://schemas.microsoft.com/office/drawing/2010/main">
-        <mc:Choice Requires="a14">
+      <mc:AlternateContent xmlns:mc="http://schemas.openxmlformats.org/markup-compatibility/2006">
+        <mc:Choice xmlns:a14="http://schemas.microsoft.com/office/drawing/2010/main" Requires="a14">
           <p:sp>
             <p:nvSpPr>
               <p:cNvPr id="7" name="TextBox 6">
@@ -10243,7 +10255,7 @@
             </p:nvSpPr>
             <p:spPr>
               <a:xfrm>
-                <a:off x="6894774" y="3092276"/>
+                <a:off x="7153658" y="2508846"/>
                 <a:ext cx="6096000" cy="369332"/>
               </a:xfrm>
               <a:prstGeom prst="rect">
@@ -10347,7 +10359,7 @@
             </p:txBody>
           </p:sp>
         </mc:Choice>
-        <mc:Fallback xmlns="">
+        <mc:Fallback>
           <p:sp>
             <p:nvSpPr>
               <p:cNvPr id="7" name="TextBox 6">
@@ -10364,7 +10376,7 @@
             </p:nvSpPr>
             <p:spPr>
               <a:xfrm>
-                <a:off x="6894774" y="3092276"/>
+                <a:off x="7153658" y="2508846"/>
                 <a:ext cx="6096000" cy="369332"/>
               </a:xfrm>
               <a:prstGeom prst="rect">
@@ -10373,7 +10385,7 @@
               <a:blipFill>
                 <a:blip r:embed="rId5"/>
                 <a:stretch>
-                  <a:fillRect t="-8197" b="-24590"/>
+                  <a:fillRect t="-10000" b="-26667"/>
                 </a:stretch>
               </a:blipFill>
             </p:spPr>
@@ -10407,6 +10419,62 @@
         <p:spPr>
           <a:xfrm rot="5400000">
             <a:off x="6320976" y="4236486"/>
+            <a:ext cx="2183520" cy="1035924"/>
+          </a:xfrm>
+          <a:prstGeom prst="uturnArrow">
+            <a:avLst>
+              <a:gd name="adj1" fmla="val 3126"/>
+              <a:gd name="adj2" fmla="val 6758"/>
+              <a:gd name="adj3" fmla="val 25000"/>
+              <a:gd name="adj4" fmla="val 0"/>
+              <a:gd name="adj5" fmla="val 100000"/>
+            </a:avLst>
+          </a:prstGeom>
+        </p:spPr>
+        <p:style>
+          <a:lnRef idx="2">
+            <a:schemeClr val="accent1">
+              <a:shade val="50000"/>
+            </a:schemeClr>
+          </a:lnRef>
+          <a:fillRef idx="1">
+            <a:schemeClr val="accent1"/>
+          </a:fillRef>
+          <a:effectRef idx="0">
+            <a:schemeClr val="accent1"/>
+          </a:effectRef>
+          <a:fontRef idx="minor">
+            <a:schemeClr val="lt1"/>
+          </a:fontRef>
+        </p:style>
+        <p:txBody>
+          <a:bodyPr rtlCol="0" anchor="ctr"/>
+          <a:lstStyle/>
+          <a:p>
+            <a:pPr algn="ctr"/>
+            <a:endParaRPr lang="ko-KR" altLang="en-US">
+              <a:solidFill>
+                <a:schemeClr val="tx1"/>
+              </a:solidFill>
+            </a:endParaRPr>
+          </a:p>
+        </p:txBody>
+      </p:sp>
+      <p:sp>
+        <p:nvSpPr>
+          <p:cNvPr id="4" name="화살표: U자형 3">
+            <a:extLst>
+              <a:ext uri="{FF2B5EF4-FFF2-40B4-BE49-F238E27FC236}">
+                <a16:creationId xmlns:a16="http://schemas.microsoft.com/office/drawing/2014/main" id="{CF827E81-19C6-89D8-7FFF-C8C1327C9F19}"/>
+              </a:ext>
+            </a:extLst>
+          </p:cNvPr>
+          <p:cNvSpPr/>
+          <p:nvPr/>
+        </p:nvSpPr>
+        <p:spPr>
+          <a:xfrm rot="5400000">
+            <a:off x="6320976" y="3578118"/>
             <a:ext cx="2183520" cy="1035924"/>
           </a:xfrm>
           <a:prstGeom prst="uturnArrow">
